--- a/FinalSubmission/BechdelPresentation.pptx
+++ b/FinalSubmission/BechdelPresentation.pptx
@@ -2880,7 +2880,7 @@
           <a:p>
             <a:fld id="{DD482C0A-946C-514E-9531-B7451766F398}" type="datetimeFigureOut">
               <a:rPr lang="en-US" smtClean="0"/>
-              <a:t>9/29/17</a:t>
+              <a:t>10/2/17</a:t>
             </a:fld>
             <a:endParaRPr lang="en-US"/>
           </a:p>
@@ -3165,7 +3165,7 @@
           <a:p>
             <a:fld id="{DD482C0A-946C-514E-9531-B7451766F398}" type="datetimeFigureOut">
               <a:rPr lang="en-US" smtClean="0"/>
-              <a:t>9/29/17</a:t>
+              <a:t>10/2/17</a:t>
             </a:fld>
             <a:endParaRPr lang="en-US"/>
           </a:p>
@@ -3340,7 +3340,7 @@
           <a:p>
             <a:fld id="{DD482C0A-946C-514E-9531-B7451766F398}" type="datetimeFigureOut">
               <a:rPr lang="en-US" smtClean="0"/>
-              <a:t>9/29/17</a:t>
+              <a:t>10/2/17</a:t>
             </a:fld>
             <a:endParaRPr lang="en-US"/>
           </a:p>
@@ -3505,7 +3505,7 @@
           <a:p>
             <a:fld id="{DD482C0A-946C-514E-9531-B7451766F398}" type="datetimeFigureOut">
               <a:rPr lang="en-US" smtClean="0"/>
-              <a:t>9/29/17</a:t>
+              <a:t>10/2/17</a:t>
             </a:fld>
             <a:endParaRPr lang="en-US"/>
           </a:p>
@@ -3746,7 +3746,7 @@
           <a:p>
             <a:fld id="{DD482C0A-946C-514E-9531-B7451766F398}" type="datetimeFigureOut">
               <a:rPr lang="en-US" smtClean="0"/>
-              <a:t>9/29/17</a:t>
+              <a:t>10/2/17</a:t>
             </a:fld>
             <a:endParaRPr lang="en-US"/>
           </a:p>
@@ -3859,7 +3859,7 @@
           <a:p>
             <a:fld id="{DD482C0A-946C-514E-9531-B7451766F398}" type="datetimeFigureOut">
               <a:rPr lang="en-US" smtClean="0"/>
-              <a:t>9/29/17</a:t>
+              <a:t>10/2/17</a:t>
             </a:fld>
             <a:endParaRPr lang="en-US"/>
           </a:p>
@@ -4398,7 +4398,7 @@
           <a:p>
             <a:fld id="{DD482C0A-946C-514E-9531-B7451766F398}" type="datetimeFigureOut">
               <a:rPr lang="en-US" smtClean="0"/>
-              <a:t>9/29/17</a:t>
+              <a:t>10/2/17</a:t>
             </a:fld>
             <a:endParaRPr lang="en-US"/>
           </a:p>
@@ -4511,7 +4511,7 @@
           <a:p>
             <a:fld id="{DD482C0A-946C-514E-9531-B7451766F398}" type="datetimeFigureOut">
               <a:rPr lang="en-US" smtClean="0"/>
-              <a:t>9/29/17</a:t>
+              <a:t>10/2/17</a:t>
             </a:fld>
             <a:endParaRPr lang="en-US"/>
           </a:p>
@@ -4601,7 +4601,7 @@
           <a:p>
             <a:fld id="{DD482C0A-946C-514E-9531-B7451766F398}" type="datetimeFigureOut">
               <a:rPr lang="en-US" smtClean="0"/>
-              <a:t>9/29/17</a:t>
+              <a:t>10/2/17</a:t>
             </a:fld>
             <a:endParaRPr lang="en-US"/>
           </a:p>
@@ -7252,7 +7252,7 @@
           <a:p>
             <a:fld id="{DD482C0A-946C-514E-9531-B7451766F398}" type="datetimeFigureOut">
               <a:rPr lang="en-US" smtClean="0"/>
-              <a:t>9/29/17</a:t>
+              <a:t>10/2/17</a:t>
             </a:fld>
             <a:endParaRPr lang="en-US"/>
           </a:p>
@@ -10464,7 +10464,7 @@
           <a:p>
             <a:fld id="{DD482C0A-946C-514E-9531-B7451766F398}" type="datetimeFigureOut">
               <a:rPr lang="en-US" smtClean="0"/>
-              <a:t>9/29/17</a:t>
+              <a:t>10/2/17</a:t>
             </a:fld>
             <a:endParaRPr lang="en-US"/>
           </a:p>
@@ -13286,7 +13286,7 @@
           <a:p>
             <a:fld id="{DD482C0A-946C-514E-9531-B7451766F398}" type="datetimeFigureOut">
               <a:rPr lang="en-US" smtClean="0"/>
-              <a:t>9/29/17</a:t>
+              <a:t>10/2/17</a:t>
             </a:fld>
             <a:endParaRPr lang="en-US"/>
           </a:p>
@@ -14619,16 +14619,13 @@
           <a:p>
             <a:r>
               <a:rPr lang="en-US" dirty="0" smtClean="0"/>
-              <a:t>Focus on selecting writers and producers with a good past record of passing the </a:t>
+              <a:t>Best way to create films that pass: select writers and producers with a solid past record </a:t>
             </a:r>
             <a:r>
-              <a:rPr lang="en-US" dirty="0" err="1" smtClean="0"/>
-              <a:t>Bechdel</a:t>
+              <a:rPr lang="en-US" smtClean="0"/>
+              <a:t>of passing</a:t>
             </a:r>
-            <a:r>
-              <a:rPr lang="en-US" dirty="0" smtClean="0"/>
-              <a:t> test</a:t>
-            </a:r>
+            <a:endParaRPr lang="en-US" dirty="0" smtClean="0"/>
           </a:p>
           <a:p>
             <a:r>

--- a/FinalSubmission/BechdelPresentation.pptx
+++ b/FinalSubmission/BechdelPresentation.pptx
@@ -120,6 +120,22 @@
       </a:defRPr>
     </a:lvl9pPr>
   </p:defaultTextStyle>
+  <p:extLst>
+    <p:ext uri="{EFAFB233-063F-42B5-8137-9DF3F51BA10A}">
+      <p15:sldGuideLst xmlns:p15="http://schemas.microsoft.com/office/powerpoint/2012/main">
+        <p15:guide id="1" orient="horz" pos="2160">
+          <p15:clr>
+            <a:srgbClr val="A4A3A4"/>
+          </p15:clr>
+        </p15:guide>
+        <p15:guide id="2" pos="2880">
+          <p15:clr>
+            <a:srgbClr val="A4A3A4"/>
+          </p15:clr>
+        </p15:guide>
+      </p15:sldGuideLst>
+    </p:ext>
+  </p:extLst>
 </p:presentation>
 </file>
 
@@ -2880,7 +2896,7 @@
           <a:p>
             <a:fld id="{DD482C0A-946C-514E-9531-B7451766F398}" type="datetimeFigureOut">
               <a:rPr lang="en-US" smtClean="0"/>
-              <a:t>10/2/17</a:t>
+              <a:t>10/5/17</a:t>
             </a:fld>
             <a:endParaRPr lang="en-US"/>
           </a:p>
@@ -3165,7 +3181,7 @@
           <a:p>
             <a:fld id="{DD482C0A-946C-514E-9531-B7451766F398}" type="datetimeFigureOut">
               <a:rPr lang="en-US" smtClean="0"/>
-              <a:t>10/2/17</a:t>
+              <a:t>10/5/17</a:t>
             </a:fld>
             <a:endParaRPr lang="en-US"/>
           </a:p>
@@ -3340,7 +3356,7 @@
           <a:p>
             <a:fld id="{DD482C0A-946C-514E-9531-B7451766F398}" type="datetimeFigureOut">
               <a:rPr lang="en-US" smtClean="0"/>
-              <a:t>10/2/17</a:t>
+              <a:t>10/5/17</a:t>
             </a:fld>
             <a:endParaRPr lang="en-US"/>
           </a:p>
@@ -3505,7 +3521,7 @@
           <a:p>
             <a:fld id="{DD482C0A-946C-514E-9531-B7451766F398}" type="datetimeFigureOut">
               <a:rPr lang="en-US" smtClean="0"/>
-              <a:t>10/2/17</a:t>
+              <a:t>10/5/17</a:t>
             </a:fld>
             <a:endParaRPr lang="en-US"/>
           </a:p>
@@ -3746,7 +3762,7 @@
           <a:p>
             <a:fld id="{DD482C0A-946C-514E-9531-B7451766F398}" type="datetimeFigureOut">
               <a:rPr lang="en-US" smtClean="0"/>
-              <a:t>10/2/17</a:t>
+              <a:t>10/5/17</a:t>
             </a:fld>
             <a:endParaRPr lang="en-US"/>
           </a:p>
@@ -3859,7 +3875,7 @@
           <a:p>
             <a:fld id="{DD482C0A-946C-514E-9531-B7451766F398}" type="datetimeFigureOut">
               <a:rPr lang="en-US" smtClean="0"/>
-              <a:t>10/2/17</a:t>
+              <a:t>10/5/17</a:t>
             </a:fld>
             <a:endParaRPr lang="en-US"/>
           </a:p>
@@ -4398,7 +4414,7 @@
           <a:p>
             <a:fld id="{DD482C0A-946C-514E-9531-B7451766F398}" type="datetimeFigureOut">
               <a:rPr lang="en-US" smtClean="0"/>
-              <a:t>10/2/17</a:t>
+              <a:t>10/5/17</a:t>
             </a:fld>
             <a:endParaRPr lang="en-US"/>
           </a:p>
@@ -4511,7 +4527,7 @@
           <a:p>
             <a:fld id="{DD482C0A-946C-514E-9531-B7451766F398}" type="datetimeFigureOut">
               <a:rPr lang="en-US" smtClean="0"/>
-              <a:t>10/2/17</a:t>
+              <a:t>10/5/17</a:t>
             </a:fld>
             <a:endParaRPr lang="en-US"/>
           </a:p>
@@ -4601,7 +4617,7 @@
           <a:p>
             <a:fld id="{DD482C0A-946C-514E-9531-B7451766F398}" type="datetimeFigureOut">
               <a:rPr lang="en-US" smtClean="0"/>
-              <a:t>10/2/17</a:t>
+              <a:t>10/5/17</a:t>
             </a:fld>
             <a:endParaRPr lang="en-US"/>
           </a:p>
@@ -7252,7 +7268,7 @@
           <a:p>
             <a:fld id="{DD482C0A-946C-514E-9531-B7451766F398}" type="datetimeFigureOut">
               <a:rPr lang="en-US" smtClean="0"/>
-              <a:t>10/2/17</a:t>
+              <a:t>10/5/17</a:t>
             </a:fld>
             <a:endParaRPr lang="en-US"/>
           </a:p>
@@ -10464,7 +10480,7 @@
           <a:p>
             <a:fld id="{DD482C0A-946C-514E-9531-B7451766F398}" type="datetimeFigureOut">
               <a:rPr lang="en-US" smtClean="0"/>
-              <a:t>10/2/17</a:t>
+              <a:t>10/5/17</a:t>
             </a:fld>
             <a:endParaRPr lang="en-US"/>
           </a:p>
@@ -13286,7 +13302,7 @@
           <a:p>
             <a:fld id="{DD482C0A-946C-514E-9531-B7451766F398}" type="datetimeFigureOut">
               <a:rPr lang="en-US" smtClean="0"/>
-              <a:t>10/2/17</a:t>
+              <a:t>10/5/17</a:t>
             </a:fld>
             <a:endParaRPr lang="en-US"/>
           </a:p>
@@ -13983,8 +13999,13 @@
           <a:p>
             <a:r>
               <a:rPr lang="en-US" dirty="0" smtClean="0"/>
-              <a:t>Accuracy: 96.78%</a:t>
+              <a:t>Accuracy: </a:t>
             </a:r>
+            <a:r>
+              <a:rPr lang="en-US" dirty="0" smtClean="0"/>
+              <a:t>97.25%</a:t>
+            </a:r>
+            <a:endParaRPr lang="en-US" dirty="0" smtClean="0"/>
           </a:p>
           <a:p>
             <a:r>
@@ -14008,35 +14029,24 @@
       </p:sp>
       <p:pic>
         <p:nvPicPr>
-          <p:cNvPr id="4" name="Picture 3"/>
+          <p:cNvPr id="5" name="Picture 4"/>
           <p:cNvPicPr/>
           <p:nvPr/>
         </p:nvPicPr>
         <p:blipFill>
-          <a:blip r:embed="rId2">
-            <a:extLst>
-              <a:ext uri="{28A0092B-C50C-407E-A947-70E740481C1C}">
-                <a14:useLocalDpi xmlns:a14="http://schemas.microsoft.com/office/drawing/2010/main" val="0"/>
-              </a:ext>
-            </a:extLst>
-          </a:blip>
-          <a:srcRect/>
+          <a:blip r:embed="rId2"/>
           <a:stretch>
             <a:fillRect/>
           </a:stretch>
         </p:blipFill>
-        <p:spPr bwMode="auto">
+        <p:spPr>
           <a:xfrm>
-            <a:off x="1254647" y="2677412"/>
-            <a:ext cx="4850278" cy="2463219"/>
+            <a:off x="1282015" y="2707654"/>
+            <a:ext cx="3516015" cy="3045460"/>
           </a:xfrm>
           <a:prstGeom prst="rect">
             <a:avLst/>
           </a:prstGeom>
-          <a:noFill/>
-          <a:ln>
-            <a:noFill/>
-          </a:ln>
         </p:spPr>
       </p:pic>
     </p:spTree>
@@ -14125,8 +14135,13 @@
           <a:p>
             <a:r>
               <a:rPr lang="en-US" dirty="0" smtClean="0"/>
-              <a:t> Accuracy: 77.65%</a:t>
+              <a:t> Accuracy: </a:t>
             </a:r>
+            <a:r>
+              <a:rPr lang="en-US" dirty="0" smtClean="0"/>
+              <a:t>79.26%</a:t>
+            </a:r>
+            <a:endParaRPr lang="en-US" dirty="0" smtClean="0"/>
           </a:p>
           <a:p>
             <a:endParaRPr lang="en-US" dirty="0"/>
@@ -14135,35 +14150,24 @@
       </p:sp>
       <p:pic>
         <p:nvPicPr>
-          <p:cNvPr id="4" name="Picture 3"/>
+          <p:cNvPr id="5" name="Picture 4"/>
           <p:cNvPicPr/>
           <p:nvPr/>
         </p:nvPicPr>
         <p:blipFill>
-          <a:blip r:embed="rId2">
-            <a:extLst>
-              <a:ext uri="{28A0092B-C50C-407E-A947-70E740481C1C}">
-                <a14:useLocalDpi xmlns:a14="http://schemas.microsoft.com/office/drawing/2010/main" val="0"/>
-              </a:ext>
-            </a:extLst>
-          </a:blip>
-          <a:srcRect/>
+          <a:blip r:embed="rId2"/>
           <a:stretch>
             <a:fillRect/>
           </a:stretch>
         </p:blipFill>
-        <p:spPr bwMode="auto">
+        <p:spPr>
           <a:xfrm>
-            <a:off x="1270293" y="3809574"/>
-            <a:ext cx="3105669" cy="2348655"/>
+            <a:off x="3109574" y="3698697"/>
+            <a:ext cx="3414516" cy="2758182"/>
           </a:xfrm>
           <a:prstGeom prst="rect">
             <a:avLst/>
           </a:prstGeom>
-          <a:noFill/>
-          <a:ln>
-            <a:noFill/>
-          </a:ln>
         </p:spPr>
       </p:pic>
     </p:spTree>
@@ -14206,7 +14210,12 @@
             <p:ph type="title"/>
           </p:nvPr>
         </p:nvSpPr>
-        <p:spPr/>
+        <p:spPr>
+          <a:xfrm>
+            <a:off x="1043490" y="596149"/>
+            <a:ext cx="7024744" cy="1143000"/>
+          </a:xfrm>
+        </p:spPr>
         <p:txBody>
           <a:bodyPr/>
           <a:lstStyle/>
@@ -14219,43 +14228,6 @@
           </a:p>
         </p:txBody>
       </p:sp>
-      <p:pic>
-        <p:nvPicPr>
-          <p:cNvPr id="7" name="Content Placeholder 6"/>
-          <p:cNvPicPr>
-            <a:picLocks noGrp="1"/>
-          </p:cNvPicPr>
-          <p:nvPr>
-            <p:ph idx="1"/>
-          </p:nvPr>
-        </p:nvPicPr>
-        <p:blipFill>
-          <a:blip r:embed="rId2">
-            <a:extLst>
-              <a:ext uri="{28A0092B-C50C-407E-A947-70E740481C1C}">
-                <a14:useLocalDpi xmlns:a14="http://schemas.microsoft.com/office/drawing/2010/main" val="0"/>
-              </a:ext>
-            </a:extLst>
-          </a:blip>
-          <a:srcRect t="1492" b="1492"/>
-          <a:stretch>
-            <a:fillRect/>
-          </a:stretch>
-        </p:blipFill>
-        <p:spPr bwMode="auto">
-          <a:xfrm>
-            <a:off x="1043492" y="2323652"/>
-            <a:ext cx="5474549" cy="2648685"/>
-          </a:xfrm>
-          <a:prstGeom prst="rect">
-            <a:avLst/>
-          </a:prstGeom>
-          <a:noFill/>
-          <a:ln>
-            <a:noFill/>
-          </a:ln>
-        </p:spPr>
-      </p:pic>
       <p:sp>
         <p:nvSpPr>
           <p:cNvPr id="8" name="TextBox 7"/>
@@ -14292,6 +14264,28 @@
           </a:p>
         </p:txBody>
       </p:sp>
+      <p:pic>
+        <p:nvPicPr>
+          <p:cNvPr id="6" name="Picture 5"/>
+          <p:cNvPicPr/>
+          <p:nvPr/>
+        </p:nvPicPr>
+        <p:blipFill>
+          <a:blip r:embed="rId2"/>
+          <a:stretch>
+            <a:fillRect/>
+          </a:stretch>
+        </p:blipFill>
+        <p:spPr>
+          <a:xfrm>
+            <a:off x="1043490" y="2034615"/>
+            <a:ext cx="5486400" cy="2963545"/>
+          </a:xfrm>
+          <a:prstGeom prst="rect">
+            <a:avLst/>
+          </a:prstGeom>
+        </p:spPr>
+      </p:pic>
     </p:spTree>
     <p:extLst>
       <p:ext uri="{BB962C8B-B14F-4D97-AF65-F5344CB8AC3E}">
@@ -14334,7 +14328,7 @@
         </p:nvSpPr>
         <p:spPr>
           <a:xfrm>
-            <a:off x="1043490" y="749675"/>
+            <a:off x="1023825" y="1132075"/>
             <a:ext cx="7024744" cy="701912"/>
           </a:xfrm>
         </p:spPr>
@@ -14364,7 +14358,7 @@
         </p:nvSpPr>
         <p:spPr>
           <a:xfrm>
-            <a:off x="795630" y="1558684"/>
+            <a:off x="749827" y="1833987"/>
             <a:ext cx="7025178" cy="4943603"/>
           </a:xfrm>
         </p:spPr>
@@ -14406,7 +14400,7 @@
         </p:blipFill>
         <p:spPr bwMode="auto">
           <a:xfrm>
-            <a:off x="1043491" y="2473244"/>
+            <a:off x="914644" y="3240160"/>
             <a:ext cx="3347772" cy="2638506"/>
           </a:xfrm>
           <a:prstGeom prst="rect">
@@ -14439,7 +14433,7 @@
         </p:blipFill>
         <p:spPr bwMode="auto">
           <a:xfrm>
-            <a:off x="4391262" y="2473244"/>
+            <a:off x="4391262" y="3240160"/>
             <a:ext cx="4252177" cy="2638506"/>
           </a:xfrm>
           <a:prstGeom prst="rect">
@@ -14584,7 +14578,12 @@
             <p:ph type="title"/>
           </p:nvPr>
         </p:nvSpPr>
-        <p:spPr/>
+        <p:spPr>
+          <a:xfrm>
+            <a:off x="1122148" y="565548"/>
+            <a:ext cx="7024744" cy="1143000"/>
+          </a:xfrm>
+        </p:spPr>
         <p:txBody>
           <a:bodyPr/>
           <a:lstStyle/>
@@ -14609,7 +14608,7 @@
         </p:nvSpPr>
         <p:spPr>
           <a:xfrm>
-            <a:off x="1043492" y="2323652"/>
+            <a:off x="1122148" y="2097510"/>
             <a:ext cx="6777317" cy="4086838"/>
           </a:xfrm>
         </p:spPr>
